--- a/ppt 16-9/0258.因他活着.pptx
+++ b/ppt 16-9/0258.因他活着.pptx
@@ -5,7 +5,7 @@
     <p:sldMasterId id="2147483648" r:id="rId1"/>
   </p:sldMasterIdLst>
   <p:sldIdLst>
-    <p:sldId id="3107" r:id="rId2"/>
+    <p:sldId id="3109" r:id="rId2"/>
   </p:sldIdLst>
   <p:sldSz cx="12192000" cy="6858000"/>
   <p:notesSz cx="6858000" cy="9144000"/>
@@ -129,7 +129,7 @@
           <p:cNvPr id="2" name="标题 1">
             <a:extLst>
               <a:ext uri="{FF2B5EF4-FFF2-40B4-BE49-F238E27FC236}">
-                <a16:creationId xmlns:a16="http://schemas.microsoft.com/office/drawing/2014/main" id="{CA2FD4A2-9761-28F7-E8B2-B6B5575307C9}"/>
+                <a16:creationId xmlns:a16="http://schemas.microsoft.com/office/drawing/2014/main" id="{BA16594A-F902-4C50-7C75-1A6016652AD3}"/>
               </a:ext>
             </a:extLst>
           </p:cNvPr>
@@ -166,7 +166,7 @@
           <p:cNvPr id="3" name="副标题 2">
             <a:extLst>
               <a:ext uri="{FF2B5EF4-FFF2-40B4-BE49-F238E27FC236}">
-                <a16:creationId xmlns:a16="http://schemas.microsoft.com/office/drawing/2014/main" id="{59EDC96D-F71A-8565-1493-0B3286E21D41}"/>
+                <a16:creationId xmlns:a16="http://schemas.microsoft.com/office/drawing/2014/main" id="{6EFB5AD2-54CC-EDF3-16F6-B2CC55DF8EC8}"/>
               </a:ext>
             </a:extLst>
           </p:cNvPr>
@@ -236,7 +236,7 @@
           <p:cNvPr id="4" name="日期占位符 3">
             <a:extLst>
               <a:ext uri="{FF2B5EF4-FFF2-40B4-BE49-F238E27FC236}">
-                <a16:creationId xmlns:a16="http://schemas.microsoft.com/office/drawing/2014/main" id="{D8B7AB40-1883-8056-81B3-956EE923A1ED}"/>
+                <a16:creationId xmlns:a16="http://schemas.microsoft.com/office/drawing/2014/main" id="{EEE78BA9-D663-F17E-36F4-3D15DE87BC80}"/>
               </a:ext>
             </a:extLst>
           </p:cNvPr>
@@ -252,7 +252,7 @@
           <a:bodyPr/>
           <a:lstStyle/>
           <a:p>
-            <a:fld id="{898910EA-5C49-4515-84F6-13B785860004}" type="datetimeFigureOut">
+            <a:fld id="{DE7FC016-381F-47C5-8A97-0F4C6EF67D9D}" type="datetimeFigureOut">
               <a:rPr lang="zh-CN" altLang="en-US" smtClean="0"/>
               <a:t>2024/3/10</a:t>
             </a:fld>
@@ -265,7 +265,7 @@
           <p:cNvPr id="5" name="页脚占位符 4">
             <a:extLst>
               <a:ext uri="{FF2B5EF4-FFF2-40B4-BE49-F238E27FC236}">
-                <a16:creationId xmlns:a16="http://schemas.microsoft.com/office/drawing/2014/main" id="{AC73A61F-EC19-84C0-B921-B1A5EF6AE812}"/>
+                <a16:creationId xmlns:a16="http://schemas.microsoft.com/office/drawing/2014/main" id="{82BD69A1-3672-AC04-5407-AD94F0B8DE8B}"/>
               </a:ext>
             </a:extLst>
           </p:cNvPr>
@@ -290,7 +290,7 @@
           <p:cNvPr id="6" name="灯片编号占位符 5">
             <a:extLst>
               <a:ext uri="{FF2B5EF4-FFF2-40B4-BE49-F238E27FC236}">
-                <a16:creationId xmlns:a16="http://schemas.microsoft.com/office/drawing/2014/main" id="{3C4CC19D-0099-E76A-3239-95C4C7027F6E}"/>
+                <a16:creationId xmlns:a16="http://schemas.microsoft.com/office/drawing/2014/main" id="{64420898-F875-6783-0DA1-81CE87599815}"/>
               </a:ext>
             </a:extLst>
           </p:cNvPr>
@@ -306,7 +306,7 @@
           <a:bodyPr/>
           <a:lstStyle/>
           <a:p>
-            <a:fld id="{E87975E6-7B08-42D4-BAFD-3EF7B2173AEA}" type="slidenum">
+            <a:fld id="{B4EB85D2-398B-492F-B5C2-82DF5BC94891}" type="slidenum">
               <a:rPr lang="zh-CN" altLang="en-US" smtClean="0"/>
               <a:t>‹#›</a:t>
             </a:fld>
@@ -317,7 +317,7 @@
     </p:spTree>
     <p:extLst>
       <p:ext uri="{BB962C8B-B14F-4D97-AF65-F5344CB8AC3E}">
-        <p14:creationId xmlns:p14="http://schemas.microsoft.com/office/powerpoint/2010/main" val="3489113912"/>
+        <p14:creationId xmlns:p14="http://schemas.microsoft.com/office/powerpoint/2010/main" val="4255523515"/>
       </p:ext>
     </p:extLst>
   </p:cSld>
@@ -349,7 +349,7 @@
           <p:cNvPr id="2" name="标题 1">
             <a:extLst>
               <a:ext uri="{FF2B5EF4-FFF2-40B4-BE49-F238E27FC236}">
-                <a16:creationId xmlns:a16="http://schemas.microsoft.com/office/drawing/2014/main" id="{DCD74E61-F032-7EE3-F8A9-2242617B7B4E}"/>
+                <a16:creationId xmlns:a16="http://schemas.microsoft.com/office/drawing/2014/main" id="{D946D288-D6EF-9E9C-74DA-0C072816C565}"/>
               </a:ext>
             </a:extLst>
           </p:cNvPr>
@@ -377,7 +377,7 @@
           <p:cNvPr id="3" name="竖排文字占位符 2">
             <a:extLst>
               <a:ext uri="{FF2B5EF4-FFF2-40B4-BE49-F238E27FC236}">
-                <a16:creationId xmlns:a16="http://schemas.microsoft.com/office/drawing/2014/main" id="{4FD20054-877F-D9EF-24D6-769E2C798FB9}"/>
+                <a16:creationId xmlns:a16="http://schemas.microsoft.com/office/drawing/2014/main" id="{3BC365A9-5DAC-6590-FC55-6C31F31D0D03}"/>
               </a:ext>
             </a:extLst>
           </p:cNvPr>
@@ -434,7 +434,7 @@
           <p:cNvPr id="4" name="日期占位符 3">
             <a:extLst>
               <a:ext uri="{FF2B5EF4-FFF2-40B4-BE49-F238E27FC236}">
-                <a16:creationId xmlns:a16="http://schemas.microsoft.com/office/drawing/2014/main" id="{8F005FE9-8144-0404-04DB-0EC1E8646744}"/>
+                <a16:creationId xmlns:a16="http://schemas.microsoft.com/office/drawing/2014/main" id="{D814F821-E261-BEB1-3B4C-E5C4809CB5A2}"/>
               </a:ext>
             </a:extLst>
           </p:cNvPr>
@@ -450,7 +450,7 @@
           <a:bodyPr/>
           <a:lstStyle/>
           <a:p>
-            <a:fld id="{898910EA-5C49-4515-84F6-13B785860004}" type="datetimeFigureOut">
+            <a:fld id="{DE7FC016-381F-47C5-8A97-0F4C6EF67D9D}" type="datetimeFigureOut">
               <a:rPr lang="zh-CN" altLang="en-US" smtClean="0"/>
               <a:t>2024/3/10</a:t>
             </a:fld>
@@ -463,7 +463,7 @@
           <p:cNvPr id="5" name="页脚占位符 4">
             <a:extLst>
               <a:ext uri="{FF2B5EF4-FFF2-40B4-BE49-F238E27FC236}">
-                <a16:creationId xmlns:a16="http://schemas.microsoft.com/office/drawing/2014/main" id="{BF40640D-A9BF-020B-BB2F-5BD22AFCD510}"/>
+                <a16:creationId xmlns:a16="http://schemas.microsoft.com/office/drawing/2014/main" id="{09B4732A-5628-2FB5-6EAD-DA96329D8264}"/>
               </a:ext>
             </a:extLst>
           </p:cNvPr>
@@ -488,7 +488,7 @@
           <p:cNvPr id="6" name="灯片编号占位符 5">
             <a:extLst>
               <a:ext uri="{FF2B5EF4-FFF2-40B4-BE49-F238E27FC236}">
-                <a16:creationId xmlns:a16="http://schemas.microsoft.com/office/drawing/2014/main" id="{FF85C789-43C2-84CB-A449-58640665CC11}"/>
+                <a16:creationId xmlns:a16="http://schemas.microsoft.com/office/drawing/2014/main" id="{8A66B2EE-0038-FC41-E45D-41938977663C}"/>
               </a:ext>
             </a:extLst>
           </p:cNvPr>
@@ -504,7 +504,7 @@
           <a:bodyPr/>
           <a:lstStyle/>
           <a:p>
-            <a:fld id="{E87975E6-7B08-42D4-BAFD-3EF7B2173AEA}" type="slidenum">
+            <a:fld id="{B4EB85D2-398B-492F-B5C2-82DF5BC94891}" type="slidenum">
               <a:rPr lang="zh-CN" altLang="en-US" smtClean="0"/>
               <a:t>‹#›</a:t>
             </a:fld>
@@ -515,7 +515,7 @@
     </p:spTree>
     <p:extLst>
       <p:ext uri="{BB962C8B-B14F-4D97-AF65-F5344CB8AC3E}">
-        <p14:creationId xmlns:p14="http://schemas.microsoft.com/office/powerpoint/2010/main" val="836547920"/>
+        <p14:creationId xmlns:p14="http://schemas.microsoft.com/office/powerpoint/2010/main" val="3694544510"/>
       </p:ext>
     </p:extLst>
   </p:cSld>
@@ -547,7 +547,7 @@
           <p:cNvPr id="2" name="竖排标题 1">
             <a:extLst>
               <a:ext uri="{FF2B5EF4-FFF2-40B4-BE49-F238E27FC236}">
-                <a16:creationId xmlns:a16="http://schemas.microsoft.com/office/drawing/2014/main" id="{DD148512-EFC9-D3C1-7A31-FA1EAD2E501B}"/>
+                <a16:creationId xmlns:a16="http://schemas.microsoft.com/office/drawing/2014/main" id="{76BEBCFF-ACF2-57B2-E4C7-868EC4DB32A2}"/>
               </a:ext>
             </a:extLst>
           </p:cNvPr>
@@ -580,7 +580,7 @@
           <p:cNvPr id="3" name="竖排文字占位符 2">
             <a:extLst>
               <a:ext uri="{FF2B5EF4-FFF2-40B4-BE49-F238E27FC236}">
-                <a16:creationId xmlns:a16="http://schemas.microsoft.com/office/drawing/2014/main" id="{5AD496BF-85C4-D533-230A-28CD3CE3387C}"/>
+                <a16:creationId xmlns:a16="http://schemas.microsoft.com/office/drawing/2014/main" id="{BC4DEA39-9EA6-D6AB-2C5C-B249F3A1A99B}"/>
               </a:ext>
             </a:extLst>
           </p:cNvPr>
@@ -642,7 +642,7 @@
           <p:cNvPr id="4" name="日期占位符 3">
             <a:extLst>
               <a:ext uri="{FF2B5EF4-FFF2-40B4-BE49-F238E27FC236}">
-                <a16:creationId xmlns:a16="http://schemas.microsoft.com/office/drawing/2014/main" id="{457F8868-5823-DE0C-BB09-67C4DC1D6945}"/>
+                <a16:creationId xmlns:a16="http://schemas.microsoft.com/office/drawing/2014/main" id="{94499FA1-984D-59A4-4A8F-8BC11035E017}"/>
               </a:ext>
             </a:extLst>
           </p:cNvPr>
@@ -658,7 +658,7 @@
           <a:bodyPr/>
           <a:lstStyle/>
           <a:p>
-            <a:fld id="{898910EA-5C49-4515-84F6-13B785860004}" type="datetimeFigureOut">
+            <a:fld id="{DE7FC016-381F-47C5-8A97-0F4C6EF67D9D}" type="datetimeFigureOut">
               <a:rPr lang="zh-CN" altLang="en-US" smtClean="0"/>
               <a:t>2024/3/10</a:t>
             </a:fld>
@@ -671,7 +671,7 @@
           <p:cNvPr id="5" name="页脚占位符 4">
             <a:extLst>
               <a:ext uri="{FF2B5EF4-FFF2-40B4-BE49-F238E27FC236}">
-                <a16:creationId xmlns:a16="http://schemas.microsoft.com/office/drawing/2014/main" id="{BC1C76CA-37B6-DAD1-9626-EAA4FCEA4C38}"/>
+                <a16:creationId xmlns:a16="http://schemas.microsoft.com/office/drawing/2014/main" id="{8066EF6C-594C-CBEB-985F-9790FD832378}"/>
               </a:ext>
             </a:extLst>
           </p:cNvPr>
@@ -696,7 +696,7 @@
           <p:cNvPr id="6" name="灯片编号占位符 5">
             <a:extLst>
               <a:ext uri="{FF2B5EF4-FFF2-40B4-BE49-F238E27FC236}">
-                <a16:creationId xmlns:a16="http://schemas.microsoft.com/office/drawing/2014/main" id="{8699F6E0-9638-8C45-9F54-5C07358627D4}"/>
+                <a16:creationId xmlns:a16="http://schemas.microsoft.com/office/drawing/2014/main" id="{C7E2F25B-F8F2-E3DF-C130-B266E4143013}"/>
               </a:ext>
             </a:extLst>
           </p:cNvPr>
@@ -712,7 +712,7 @@
           <a:bodyPr/>
           <a:lstStyle/>
           <a:p>
-            <a:fld id="{E87975E6-7B08-42D4-BAFD-3EF7B2173AEA}" type="slidenum">
+            <a:fld id="{B4EB85D2-398B-492F-B5C2-82DF5BC94891}" type="slidenum">
               <a:rPr lang="zh-CN" altLang="en-US" smtClean="0"/>
               <a:t>‹#›</a:t>
             </a:fld>
@@ -723,7 +723,7 @@
     </p:spTree>
     <p:extLst>
       <p:ext uri="{BB962C8B-B14F-4D97-AF65-F5344CB8AC3E}">
-        <p14:creationId xmlns:p14="http://schemas.microsoft.com/office/powerpoint/2010/main" val="1364056630"/>
+        <p14:creationId xmlns:p14="http://schemas.microsoft.com/office/powerpoint/2010/main" val="1810803845"/>
       </p:ext>
     </p:extLst>
   </p:cSld>
@@ -755,7 +755,7 @@
           <p:cNvPr id="2" name="标题 1">
             <a:extLst>
               <a:ext uri="{FF2B5EF4-FFF2-40B4-BE49-F238E27FC236}">
-                <a16:creationId xmlns:a16="http://schemas.microsoft.com/office/drawing/2014/main" id="{4DC649E2-EFA4-31D5-6996-F2E2B95724FA}"/>
+                <a16:creationId xmlns:a16="http://schemas.microsoft.com/office/drawing/2014/main" id="{489C77FC-0D2A-837D-C040-78DF7670BFA7}"/>
               </a:ext>
             </a:extLst>
           </p:cNvPr>
@@ -783,7 +783,7 @@
           <p:cNvPr id="3" name="内容占位符 2">
             <a:extLst>
               <a:ext uri="{FF2B5EF4-FFF2-40B4-BE49-F238E27FC236}">
-                <a16:creationId xmlns:a16="http://schemas.microsoft.com/office/drawing/2014/main" id="{038839C0-A416-DEB8-C16D-04D511BCCE54}"/>
+                <a16:creationId xmlns:a16="http://schemas.microsoft.com/office/drawing/2014/main" id="{AE972467-7024-1CB8-47E5-6EC0024CAC3A}"/>
               </a:ext>
             </a:extLst>
           </p:cNvPr>
@@ -840,7 +840,7 @@
           <p:cNvPr id="4" name="日期占位符 3">
             <a:extLst>
               <a:ext uri="{FF2B5EF4-FFF2-40B4-BE49-F238E27FC236}">
-                <a16:creationId xmlns:a16="http://schemas.microsoft.com/office/drawing/2014/main" id="{D34BD9C9-68A2-22C0-AB80-66817F096BBA}"/>
+                <a16:creationId xmlns:a16="http://schemas.microsoft.com/office/drawing/2014/main" id="{A5D07BF6-479A-D359-C208-5F86AB46E35B}"/>
               </a:ext>
             </a:extLst>
           </p:cNvPr>
@@ -856,7 +856,7 @@
           <a:bodyPr/>
           <a:lstStyle/>
           <a:p>
-            <a:fld id="{898910EA-5C49-4515-84F6-13B785860004}" type="datetimeFigureOut">
+            <a:fld id="{DE7FC016-381F-47C5-8A97-0F4C6EF67D9D}" type="datetimeFigureOut">
               <a:rPr lang="zh-CN" altLang="en-US" smtClean="0"/>
               <a:t>2024/3/10</a:t>
             </a:fld>
@@ -869,7 +869,7 @@
           <p:cNvPr id="5" name="页脚占位符 4">
             <a:extLst>
               <a:ext uri="{FF2B5EF4-FFF2-40B4-BE49-F238E27FC236}">
-                <a16:creationId xmlns:a16="http://schemas.microsoft.com/office/drawing/2014/main" id="{3779D5AA-DBE3-2502-A27F-7413368B106E}"/>
+                <a16:creationId xmlns:a16="http://schemas.microsoft.com/office/drawing/2014/main" id="{33571CDD-1229-C675-3C29-B33ACD46520C}"/>
               </a:ext>
             </a:extLst>
           </p:cNvPr>
@@ -894,7 +894,7 @@
           <p:cNvPr id="6" name="灯片编号占位符 5">
             <a:extLst>
               <a:ext uri="{FF2B5EF4-FFF2-40B4-BE49-F238E27FC236}">
-                <a16:creationId xmlns:a16="http://schemas.microsoft.com/office/drawing/2014/main" id="{000901A3-6AF5-07A5-BC4F-8C57C9C31713}"/>
+                <a16:creationId xmlns:a16="http://schemas.microsoft.com/office/drawing/2014/main" id="{CDF73826-7546-C016-93A3-7D237F60609F}"/>
               </a:ext>
             </a:extLst>
           </p:cNvPr>
@@ -910,7 +910,7 @@
           <a:bodyPr/>
           <a:lstStyle/>
           <a:p>
-            <a:fld id="{E87975E6-7B08-42D4-BAFD-3EF7B2173AEA}" type="slidenum">
+            <a:fld id="{B4EB85D2-398B-492F-B5C2-82DF5BC94891}" type="slidenum">
               <a:rPr lang="zh-CN" altLang="en-US" smtClean="0"/>
               <a:t>‹#›</a:t>
             </a:fld>
@@ -921,7 +921,7 @@
     </p:spTree>
     <p:extLst>
       <p:ext uri="{BB962C8B-B14F-4D97-AF65-F5344CB8AC3E}">
-        <p14:creationId xmlns:p14="http://schemas.microsoft.com/office/powerpoint/2010/main" val="4111998799"/>
+        <p14:creationId xmlns:p14="http://schemas.microsoft.com/office/powerpoint/2010/main" val="1445426817"/>
       </p:ext>
     </p:extLst>
   </p:cSld>
@@ -953,7 +953,7 @@
           <p:cNvPr id="2" name="标题 1">
             <a:extLst>
               <a:ext uri="{FF2B5EF4-FFF2-40B4-BE49-F238E27FC236}">
-                <a16:creationId xmlns:a16="http://schemas.microsoft.com/office/drawing/2014/main" id="{46EB7EE4-F139-B145-41A2-F5F6CA942DF0}"/>
+                <a16:creationId xmlns:a16="http://schemas.microsoft.com/office/drawing/2014/main" id="{3714FC31-A1B6-9007-9F9B-64B31065D5EE}"/>
               </a:ext>
             </a:extLst>
           </p:cNvPr>
@@ -990,7 +990,7 @@
           <p:cNvPr id="3" name="文本占位符 2">
             <a:extLst>
               <a:ext uri="{FF2B5EF4-FFF2-40B4-BE49-F238E27FC236}">
-                <a16:creationId xmlns:a16="http://schemas.microsoft.com/office/drawing/2014/main" id="{64F9BEDA-F556-4230-D139-A225A22C1120}"/>
+                <a16:creationId xmlns:a16="http://schemas.microsoft.com/office/drawing/2014/main" id="{65D646A3-6CA4-6137-6E12-900A34F4BAD5}"/>
               </a:ext>
             </a:extLst>
           </p:cNvPr>
@@ -1115,7 +1115,7 @@
           <p:cNvPr id="4" name="日期占位符 3">
             <a:extLst>
               <a:ext uri="{FF2B5EF4-FFF2-40B4-BE49-F238E27FC236}">
-                <a16:creationId xmlns:a16="http://schemas.microsoft.com/office/drawing/2014/main" id="{8BB97888-BB77-774E-2678-9F61C4ED2F81}"/>
+                <a16:creationId xmlns:a16="http://schemas.microsoft.com/office/drawing/2014/main" id="{93B31770-454B-74F6-9543-05631D5EED9A}"/>
               </a:ext>
             </a:extLst>
           </p:cNvPr>
@@ -1131,7 +1131,7 @@
           <a:bodyPr/>
           <a:lstStyle/>
           <a:p>
-            <a:fld id="{898910EA-5C49-4515-84F6-13B785860004}" type="datetimeFigureOut">
+            <a:fld id="{DE7FC016-381F-47C5-8A97-0F4C6EF67D9D}" type="datetimeFigureOut">
               <a:rPr lang="zh-CN" altLang="en-US" smtClean="0"/>
               <a:t>2024/3/10</a:t>
             </a:fld>
@@ -1144,7 +1144,7 @@
           <p:cNvPr id="5" name="页脚占位符 4">
             <a:extLst>
               <a:ext uri="{FF2B5EF4-FFF2-40B4-BE49-F238E27FC236}">
-                <a16:creationId xmlns:a16="http://schemas.microsoft.com/office/drawing/2014/main" id="{7C010AC8-8D73-3BA3-2781-FEB3F21F0439}"/>
+                <a16:creationId xmlns:a16="http://schemas.microsoft.com/office/drawing/2014/main" id="{CD09838E-E179-B364-9EC7-46F25FF3E9C3}"/>
               </a:ext>
             </a:extLst>
           </p:cNvPr>
@@ -1169,7 +1169,7 @@
           <p:cNvPr id="6" name="灯片编号占位符 5">
             <a:extLst>
               <a:ext uri="{FF2B5EF4-FFF2-40B4-BE49-F238E27FC236}">
-                <a16:creationId xmlns:a16="http://schemas.microsoft.com/office/drawing/2014/main" id="{E239D11D-1A17-6E06-43B3-D3193C3A54D2}"/>
+                <a16:creationId xmlns:a16="http://schemas.microsoft.com/office/drawing/2014/main" id="{85729FCB-0D29-851D-289E-7303947F6637}"/>
               </a:ext>
             </a:extLst>
           </p:cNvPr>
@@ -1185,7 +1185,7 @@
           <a:bodyPr/>
           <a:lstStyle/>
           <a:p>
-            <a:fld id="{E87975E6-7B08-42D4-BAFD-3EF7B2173AEA}" type="slidenum">
+            <a:fld id="{B4EB85D2-398B-492F-B5C2-82DF5BC94891}" type="slidenum">
               <a:rPr lang="zh-CN" altLang="en-US" smtClean="0"/>
               <a:t>‹#›</a:t>
             </a:fld>
@@ -1196,7 +1196,7 @@
     </p:spTree>
     <p:extLst>
       <p:ext uri="{BB962C8B-B14F-4D97-AF65-F5344CB8AC3E}">
-        <p14:creationId xmlns:p14="http://schemas.microsoft.com/office/powerpoint/2010/main" val="1195400202"/>
+        <p14:creationId xmlns:p14="http://schemas.microsoft.com/office/powerpoint/2010/main" val="3013253878"/>
       </p:ext>
     </p:extLst>
   </p:cSld>
@@ -1228,7 +1228,7 @@
           <p:cNvPr id="2" name="标题 1">
             <a:extLst>
               <a:ext uri="{FF2B5EF4-FFF2-40B4-BE49-F238E27FC236}">
-                <a16:creationId xmlns:a16="http://schemas.microsoft.com/office/drawing/2014/main" id="{B4D079E9-964D-9380-72CF-107A200DA13A}"/>
+                <a16:creationId xmlns:a16="http://schemas.microsoft.com/office/drawing/2014/main" id="{BDBF366E-6AE2-5F37-A5FC-7EC08DACE497}"/>
               </a:ext>
             </a:extLst>
           </p:cNvPr>
@@ -1256,7 +1256,7 @@
           <p:cNvPr id="3" name="内容占位符 2">
             <a:extLst>
               <a:ext uri="{FF2B5EF4-FFF2-40B4-BE49-F238E27FC236}">
-                <a16:creationId xmlns:a16="http://schemas.microsoft.com/office/drawing/2014/main" id="{91F1D8CC-155C-8885-EB16-7B74FA555025}"/>
+                <a16:creationId xmlns:a16="http://schemas.microsoft.com/office/drawing/2014/main" id="{5320FD5C-3A1B-B545-2430-ED8C6828CFAA}"/>
               </a:ext>
             </a:extLst>
           </p:cNvPr>
@@ -1318,7 +1318,7 @@
           <p:cNvPr id="4" name="内容占位符 3">
             <a:extLst>
               <a:ext uri="{FF2B5EF4-FFF2-40B4-BE49-F238E27FC236}">
-                <a16:creationId xmlns:a16="http://schemas.microsoft.com/office/drawing/2014/main" id="{CD27A583-3376-F80E-349B-1D18AD9EC045}"/>
+                <a16:creationId xmlns:a16="http://schemas.microsoft.com/office/drawing/2014/main" id="{0ABBAA85-446F-CF54-6104-86FFE78EDC56}"/>
               </a:ext>
             </a:extLst>
           </p:cNvPr>
@@ -1380,7 +1380,7 @@
           <p:cNvPr id="5" name="日期占位符 4">
             <a:extLst>
               <a:ext uri="{FF2B5EF4-FFF2-40B4-BE49-F238E27FC236}">
-                <a16:creationId xmlns:a16="http://schemas.microsoft.com/office/drawing/2014/main" id="{73E617C1-D3D5-0458-2404-44329E3605FF}"/>
+                <a16:creationId xmlns:a16="http://schemas.microsoft.com/office/drawing/2014/main" id="{792510FF-1360-2687-2C6C-8EE0D7D1F551}"/>
               </a:ext>
             </a:extLst>
           </p:cNvPr>
@@ -1396,7 +1396,7 @@
           <a:bodyPr/>
           <a:lstStyle/>
           <a:p>
-            <a:fld id="{898910EA-5C49-4515-84F6-13B785860004}" type="datetimeFigureOut">
+            <a:fld id="{DE7FC016-381F-47C5-8A97-0F4C6EF67D9D}" type="datetimeFigureOut">
               <a:rPr lang="zh-CN" altLang="en-US" smtClean="0"/>
               <a:t>2024/3/10</a:t>
             </a:fld>
@@ -1409,7 +1409,7 @@
           <p:cNvPr id="6" name="页脚占位符 5">
             <a:extLst>
               <a:ext uri="{FF2B5EF4-FFF2-40B4-BE49-F238E27FC236}">
-                <a16:creationId xmlns:a16="http://schemas.microsoft.com/office/drawing/2014/main" id="{95F98EAA-926C-1A59-5E9F-42E3A9D2C94D}"/>
+                <a16:creationId xmlns:a16="http://schemas.microsoft.com/office/drawing/2014/main" id="{7D2EBC7D-500C-D5ED-703C-08C562A269D7}"/>
               </a:ext>
             </a:extLst>
           </p:cNvPr>
@@ -1434,7 +1434,7 @@
           <p:cNvPr id="7" name="灯片编号占位符 6">
             <a:extLst>
               <a:ext uri="{FF2B5EF4-FFF2-40B4-BE49-F238E27FC236}">
-                <a16:creationId xmlns:a16="http://schemas.microsoft.com/office/drawing/2014/main" id="{6E3E0853-7FC1-B7CC-3848-3B9F062A6730}"/>
+                <a16:creationId xmlns:a16="http://schemas.microsoft.com/office/drawing/2014/main" id="{4B8BC503-EC3B-3560-F4E3-1F80D6DFDC59}"/>
               </a:ext>
             </a:extLst>
           </p:cNvPr>
@@ -1450,7 +1450,7 @@
           <a:bodyPr/>
           <a:lstStyle/>
           <a:p>
-            <a:fld id="{E87975E6-7B08-42D4-BAFD-3EF7B2173AEA}" type="slidenum">
+            <a:fld id="{B4EB85D2-398B-492F-B5C2-82DF5BC94891}" type="slidenum">
               <a:rPr lang="zh-CN" altLang="en-US" smtClean="0"/>
               <a:t>‹#›</a:t>
             </a:fld>
@@ -1461,7 +1461,7 @@
     </p:spTree>
     <p:extLst>
       <p:ext uri="{BB962C8B-B14F-4D97-AF65-F5344CB8AC3E}">
-        <p14:creationId xmlns:p14="http://schemas.microsoft.com/office/powerpoint/2010/main" val="1139617789"/>
+        <p14:creationId xmlns:p14="http://schemas.microsoft.com/office/powerpoint/2010/main" val="3624340796"/>
       </p:ext>
     </p:extLst>
   </p:cSld>
@@ -1493,7 +1493,7 @@
           <p:cNvPr id="2" name="标题 1">
             <a:extLst>
               <a:ext uri="{FF2B5EF4-FFF2-40B4-BE49-F238E27FC236}">
-                <a16:creationId xmlns:a16="http://schemas.microsoft.com/office/drawing/2014/main" id="{F6CF8422-242A-190C-0EF0-2D705E33B22D}"/>
+                <a16:creationId xmlns:a16="http://schemas.microsoft.com/office/drawing/2014/main" id="{5B0D5808-6640-F7B9-A549-8F6AAD104F16}"/>
               </a:ext>
             </a:extLst>
           </p:cNvPr>
@@ -1526,7 +1526,7 @@
           <p:cNvPr id="3" name="文本占位符 2">
             <a:extLst>
               <a:ext uri="{FF2B5EF4-FFF2-40B4-BE49-F238E27FC236}">
-                <a16:creationId xmlns:a16="http://schemas.microsoft.com/office/drawing/2014/main" id="{29B71C03-2328-E7C2-D694-3D2078B8DE08}"/>
+                <a16:creationId xmlns:a16="http://schemas.microsoft.com/office/drawing/2014/main" id="{05326784-8528-6457-C095-B0441F27AAC1}"/>
               </a:ext>
             </a:extLst>
           </p:cNvPr>
@@ -1597,7 +1597,7 @@
           <p:cNvPr id="4" name="内容占位符 3">
             <a:extLst>
               <a:ext uri="{FF2B5EF4-FFF2-40B4-BE49-F238E27FC236}">
-                <a16:creationId xmlns:a16="http://schemas.microsoft.com/office/drawing/2014/main" id="{0FC25B00-8F70-407C-DD88-74A9B0B3826A}"/>
+                <a16:creationId xmlns:a16="http://schemas.microsoft.com/office/drawing/2014/main" id="{DC7A794F-81C1-732F-D6DF-7AD9E4909E8D}"/>
               </a:ext>
             </a:extLst>
           </p:cNvPr>
@@ -1659,7 +1659,7 @@
           <p:cNvPr id="5" name="文本占位符 4">
             <a:extLst>
               <a:ext uri="{FF2B5EF4-FFF2-40B4-BE49-F238E27FC236}">
-                <a16:creationId xmlns:a16="http://schemas.microsoft.com/office/drawing/2014/main" id="{DCEA52EF-A013-D7A3-5476-443810324844}"/>
+                <a16:creationId xmlns:a16="http://schemas.microsoft.com/office/drawing/2014/main" id="{AD73558D-E409-4630-1BA3-930EE01F85B6}"/>
               </a:ext>
             </a:extLst>
           </p:cNvPr>
@@ -1730,7 +1730,7 @@
           <p:cNvPr id="6" name="内容占位符 5">
             <a:extLst>
               <a:ext uri="{FF2B5EF4-FFF2-40B4-BE49-F238E27FC236}">
-                <a16:creationId xmlns:a16="http://schemas.microsoft.com/office/drawing/2014/main" id="{CD667D47-FAF9-FF38-8E20-382139F337E2}"/>
+                <a16:creationId xmlns:a16="http://schemas.microsoft.com/office/drawing/2014/main" id="{4259B289-0FD3-FCA9-087C-0172F43BC259}"/>
               </a:ext>
             </a:extLst>
           </p:cNvPr>
@@ -1792,7 +1792,7 @@
           <p:cNvPr id="7" name="日期占位符 6">
             <a:extLst>
               <a:ext uri="{FF2B5EF4-FFF2-40B4-BE49-F238E27FC236}">
-                <a16:creationId xmlns:a16="http://schemas.microsoft.com/office/drawing/2014/main" id="{903C455B-1677-471B-BCB3-763B79304BC3}"/>
+                <a16:creationId xmlns:a16="http://schemas.microsoft.com/office/drawing/2014/main" id="{92E5D13B-2D6B-0007-E532-BD0C4011C1CE}"/>
               </a:ext>
             </a:extLst>
           </p:cNvPr>
@@ -1808,7 +1808,7 @@
           <a:bodyPr/>
           <a:lstStyle/>
           <a:p>
-            <a:fld id="{898910EA-5C49-4515-84F6-13B785860004}" type="datetimeFigureOut">
+            <a:fld id="{DE7FC016-381F-47C5-8A97-0F4C6EF67D9D}" type="datetimeFigureOut">
               <a:rPr lang="zh-CN" altLang="en-US" smtClean="0"/>
               <a:t>2024/3/10</a:t>
             </a:fld>
@@ -1821,7 +1821,7 @@
           <p:cNvPr id="8" name="页脚占位符 7">
             <a:extLst>
               <a:ext uri="{FF2B5EF4-FFF2-40B4-BE49-F238E27FC236}">
-                <a16:creationId xmlns:a16="http://schemas.microsoft.com/office/drawing/2014/main" id="{F65F908D-CB6C-FF2D-D24B-632B27EEE221}"/>
+                <a16:creationId xmlns:a16="http://schemas.microsoft.com/office/drawing/2014/main" id="{6A11F238-FFEF-73B0-B617-6EEB9B0FC655}"/>
               </a:ext>
             </a:extLst>
           </p:cNvPr>
@@ -1846,7 +1846,7 @@
           <p:cNvPr id="9" name="灯片编号占位符 8">
             <a:extLst>
               <a:ext uri="{FF2B5EF4-FFF2-40B4-BE49-F238E27FC236}">
-                <a16:creationId xmlns:a16="http://schemas.microsoft.com/office/drawing/2014/main" id="{19D87AA6-D565-2E04-742D-9F2FF6C0236E}"/>
+                <a16:creationId xmlns:a16="http://schemas.microsoft.com/office/drawing/2014/main" id="{A60A9458-0C3D-1075-63E9-89E233775EB0}"/>
               </a:ext>
             </a:extLst>
           </p:cNvPr>
@@ -1862,7 +1862,7 @@
           <a:bodyPr/>
           <a:lstStyle/>
           <a:p>
-            <a:fld id="{E87975E6-7B08-42D4-BAFD-3EF7B2173AEA}" type="slidenum">
+            <a:fld id="{B4EB85D2-398B-492F-B5C2-82DF5BC94891}" type="slidenum">
               <a:rPr lang="zh-CN" altLang="en-US" smtClean="0"/>
               <a:t>‹#›</a:t>
             </a:fld>
@@ -1873,7 +1873,7 @@
     </p:spTree>
     <p:extLst>
       <p:ext uri="{BB962C8B-B14F-4D97-AF65-F5344CB8AC3E}">
-        <p14:creationId xmlns:p14="http://schemas.microsoft.com/office/powerpoint/2010/main" val="1169819765"/>
+        <p14:creationId xmlns:p14="http://schemas.microsoft.com/office/powerpoint/2010/main" val="3941255239"/>
       </p:ext>
     </p:extLst>
   </p:cSld>
@@ -1905,7 +1905,7 @@
           <p:cNvPr id="2" name="标题 1">
             <a:extLst>
               <a:ext uri="{FF2B5EF4-FFF2-40B4-BE49-F238E27FC236}">
-                <a16:creationId xmlns:a16="http://schemas.microsoft.com/office/drawing/2014/main" id="{A6DAB07F-AC4A-D627-2338-79C66AFC95A6}"/>
+                <a16:creationId xmlns:a16="http://schemas.microsoft.com/office/drawing/2014/main" id="{86F6328A-1A32-8729-621B-52E710B687E9}"/>
               </a:ext>
             </a:extLst>
           </p:cNvPr>
@@ -1933,7 +1933,7 @@
           <p:cNvPr id="3" name="日期占位符 2">
             <a:extLst>
               <a:ext uri="{FF2B5EF4-FFF2-40B4-BE49-F238E27FC236}">
-                <a16:creationId xmlns:a16="http://schemas.microsoft.com/office/drawing/2014/main" id="{84A80829-4469-7183-5995-61807A8FB26E}"/>
+                <a16:creationId xmlns:a16="http://schemas.microsoft.com/office/drawing/2014/main" id="{083EC212-E113-F604-94B5-AAFF4E268E78}"/>
               </a:ext>
             </a:extLst>
           </p:cNvPr>
@@ -1949,7 +1949,7 @@
           <a:bodyPr/>
           <a:lstStyle/>
           <a:p>
-            <a:fld id="{898910EA-5C49-4515-84F6-13B785860004}" type="datetimeFigureOut">
+            <a:fld id="{DE7FC016-381F-47C5-8A97-0F4C6EF67D9D}" type="datetimeFigureOut">
               <a:rPr lang="zh-CN" altLang="en-US" smtClean="0"/>
               <a:t>2024/3/10</a:t>
             </a:fld>
@@ -1962,7 +1962,7 @@
           <p:cNvPr id="4" name="页脚占位符 3">
             <a:extLst>
               <a:ext uri="{FF2B5EF4-FFF2-40B4-BE49-F238E27FC236}">
-                <a16:creationId xmlns:a16="http://schemas.microsoft.com/office/drawing/2014/main" id="{7F7E7675-25A6-9188-7523-409E9B660D7F}"/>
+                <a16:creationId xmlns:a16="http://schemas.microsoft.com/office/drawing/2014/main" id="{0C435FC8-F86D-105B-60E1-A759831FB648}"/>
               </a:ext>
             </a:extLst>
           </p:cNvPr>
@@ -1987,7 +1987,7 @@
           <p:cNvPr id="5" name="灯片编号占位符 4">
             <a:extLst>
               <a:ext uri="{FF2B5EF4-FFF2-40B4-BE49-F238E27FC236}">
-                <a16:creationId xmlns:a16="http://schemas.microsoft.com/office/drawing/2014/main" id="{E0C7E9D6-E9F1-BD6D-BF7C-F451EBCAE044}"/>
+                <a16:creationId xmlns:a16="http://schemas.microsoft.com/office/drawing/2014/main" id="{5FF02963-1FEC-65D3-1AD7-4EB5563DC08D}"/>
               </a:ext>
             </a:extLst>
           </p:cNvPr>
@@ -2003,7 +2003,7 @@
           <a:bodyPr/>
           <a:lstStyle/>
           <a:p>
-            <a:fld id="{E87975E6-7B08-42D4-BAFD-3EF7B2173AEA}" type="slidenum">
+            <a:fld id="{B4EB85D2-398B-492F-B5C2-82DF5BC94891}" type="slidenum">
               <a:rPr lang="zh-CN" altLang="en-US" smtClean="0"/>
               <a:t>‹#›</a:t>
             </a:fld>
@@ -2014,7 +2014,7 @@
     </p:spTree>
     <p:extLst>
       <p:ext uri="{BB962C8B-B14F-4D97-AF65-F5344CB8AC3E}">
-        <p14:creationId xmlns:p14="http://schemas.microsoft.com/office/powerpoint/2010/main" val="503614523"/>
+        <p14:creationId xmlns:p14="http://schemas.microsoft.com/office/powerpoint/2010/main" val="635408394"/>
       </p:ext>
     </p:extLst>
   </p:cSld>
@@ -2046,7 +2046,7 @@
           <p:cNvPr id="2" name="日期占位符 1">
             <a:extLst>
               <a:ext uri="{FF2B5EF4-FFF2-40B4-BE49-F238E27FC236}">
-                <a16:creationId xmlns:a16="http://schemas.microsoft.com/office/drawing/2014/main" id="{7C4E69A4-6927-3263-3B44-408BDA7842D2}"/>
+                <a16:creationId xmlns:a16="http://schemas.microsoft.com/office/drawing/2014/main" id="{1B1D004B-BEAE-03AD-C3CD-F0A7C4418460}"/>
               </a:ext>
             </a:extLst>
           </p:cNvPr>
@@ -2062,7 +2062,7 @@
           <a:bodyPr/>
           <a:lstStyle/>
           <a:p>
-            <a:fld id="{898910EA-5C49-4515-84F6-13B785860004}" type="datetimeFigureOut">
+            <a:fld id="{DE7FC016-381F-47C5-8A97-0F4C6EF67D9D}" type="datetimeFigureOut">
               <a:rPr lang="zh-CN" altLang="en-US" smtClean="0"/>
               <a:t>2024/3/10</a:t>
             </a:fld>
@@ -2075,7 +2075,7 @@
           <p:cNvPr id="3" name="页脚占位符 2">
             <a:extLst>
               <a:ext uri="{FF2B5EF4-FFF2-40B4-BE49-F238E27FC236}">
-                <a16:creationId xmlns:a16="http://schemas.microsoft.com/office/drawing/2014/main" id="{CA87A18F-F4F3-BC62-E6B3-B6B8BA9E4FC9}"/>
+                <a16:creationId xmlns:a16="http://schemas.microsoft.com/office/drawing/2014/main" id="{4E9AA431-C7B2-0310-F876-11701CD0580D}"/>
               </a:ext>
             </a:extLst>
           </p:cNvPr>
@@ -2100,7 +2100,7 @@
           <p:cNvPr id="4" name="灯片编号占位符 3">
             <a:extLst>
               <a:ext uri="{FF2B5EF4-FFF2-40B4-BE49-F238E27FC236}">
-                <a16:creationId xmlns:a16="http://schemas.microsoft.com/office/drawing/2014/main" id="{D6C3763A-858C-BC9C-4334-37E95FC02316}"/>
+                <a16:creationId xmlns:a16="http://schemas.microsoft.com/office/drawing/2014/main" id="{E4F99982-416C-F858-326A-729F0908E058}"/>
               </a:ext>
             </a:extLst>
           </p:cNvPr>
@@ -2116,7 +2116,7 @@
           <a:bodyPr/>
           <a:lstStyle/>
           <a:p>
-            <a:fld id="{E87975E6-7B08-42D4-BAFD-3EF7B2173AEA}" type="slidenum">
+            <a:fld id="{B4EB85D2-398B-492F-B5C2-82DF5BC94891}" type="slidenum">
               <a:rPr lang="zh-CN" altLang="en-US" smtClean="0"/>
               <a:t>‹#›</a:t>
             </a:fld>
@@ -2127,7 +2127,7 @@
     </p:spTree>
     <p:extLst>
       <p:ext uri="{BB962C8B-B14F-4D97-AF65-F5344CB8AC3E}">
-        <p14:creationId xmlns:p14="http://schemas.microsoft.com/office/powerpoint/2010/main" val="2501057865"/>
+        <p14:creationId xmlns:p14="http://schemas.microsoft.com/office/powerpoint/2010/main" val="3613642986"/>
       </p:ext>
     </p:extLst>
   </p:cSld>
@@ -2159,7 +2159,7 @@
           <p:cNvPr id="2" name="标题 1">
             <a:extLst>
               <a:ext uri="{FF2B5EF4-FFF2-40B4-BE49-F238E27FC236}">
-                <a16:creationId xmlns:a16="http://schemas.microsoft.com/office/drawing/2014/main" id="{30DEF70F-8558-973E-C9D1-6C15C951053E}"/>
+                <a16:creationId xmlns:a16="http://schemas.microsoft.com/office/drawing/2014/main" id="{57FA46AB-EA3B-1755-5996-CC13651420FF}"/>
               </a:ext>
             </a:extLst>
           </p:cNvPr>
@@ -2196,7 +2196,7 @@
           <p:cNvPr id="3" name="内容占位符 2">
             <a:extLst>
               <a:ext uri="{FF2B5EF4-FFF2-40B4-BE49-F238E27FC236}">
-                <a16:creationId xmlns:a16="http://schemas.microsoft.com/office/drawing/2014/main" id="{0B6A3769-B00F-969C-42FB-E0BE9FFAEE55}"/>
+                <a16:creationId xmlns:a16="http://schemas.microsoft.com/office/drawing/2014/main" id="{A1E1F5DC-2947-95D1-F8B3-480ADF340545}"/>
               </a:ext>
             </a:extLst>
           </p:cNvPr>
@@ -2286,7 +2286,7 @@
           <p:cNvPr id="4" name="文本占位符 3">
             <a:extLst>
               <a:ext uri="{FF2B5EF4-FFF2-40B4-BE49-F238E27FC236}">
-                <a16:creationId xmlns:a16="http://schemas.microsoft.com/office/drawing/2014/main" id="{1A6D0B38-D4DD-E215-7740-504EDBDC70E0}"/>
+                <a16:creationId xmlns:a16="http://schemas.microsoft.com/office/drawing/2014/main" id="{D138F8DD-61F6-6D2F-EED9-4493FC4456F3}"/>
               </a:ext>
             </a:extLst>
           </p:cNvPr>
@@ -2357,7 +2357,7 @@
           <p:cNvPr id="5" name="日期占位符 4">
             <a:extLst>
               <a:ext uri="{FF2B5EF4-FFF2-40B4-BE49-F238E27FC236}">
-                <a16:creationId xmlns:a16="http://schemas.microsoft.com/office/drawing/2014/main" id="{25ACE5F2-5708-A38A-DCCA-D686147F441A}"/>
+                <a16:creationId xmlns:a16="http://schemas.microsoft.com/office/drawing/2014/main" id="{255154AD-8D0B-D7E8-B8AD-E92EEAA5947A}"/>
               </a:ext>
             </a:extLst>
           </p:cNvPr>
@@ -2373,7 +2373,7 @@
           <a:bodyPr/>
           <a:lstStyle/>
           <a:p>
-            <a:fld id="{898910EA-5C49-4515-84F6-13B785860004}" type="datetimeFigureOut">
+            <a:fld id="{DE7FC016-381F-47C5-8A97-0F4C6EF67D9D}" type="datetimeFigureOut">
               <a:rPr lang="zh-CN" altLang="en-US" smtClean="0"/>
               <a:t>2024/3/10</a:t>
             </a:fld>
@@ -2386,7 +2386,7 @@
           <p:cNvPr id="6" name="页脚占位符 5">
             <a:extLst>
               <a:ext uri="{FF2B5EF4-FFF2-40B4-BE49-F238E27FC236}">
-                <a16:creationId xmlns:a16="http://schemas.microsoft.com/office/drawing/2014/main" id="{D7CDEB70-9B48-B4F5-2863-916B5B1BA3C9}"/>
+                <a16:creationId xmlns:a16="http://schemas.microsoft.com/office/drawing/2014/main" id="{968AD031-3D2F-DBAC-A0F1-3FFB4B689A44}"/>
               </a:ext>
             </a:extLst>
           </p:cNvPr>
@@ -2411,7 +2411,7 @@
           <p:cNvPr id="7" name="灯片编号占位符 6">
             <a:extLst>
               <a:ext uri="{FF2B5EF4-FFF2-40B4-BE49-F238E27FC236}">
-                <a16:creationId xmlns:a16="http://schemas.microsoft.com/office/drawing/2014/main" id="{06990498-108F-4A51-1CE2-5CB6E201EC6A}"/>
+                <a16:creationId xmlns:a16="http://schemas.microsoft.com/office/drawing/2014/main" id="{90397AF7-686D-38DD-8F89-7E33D429AD0C}"/>
               </a:ext>
             </a:extLst>
           </p:cNvPr>
@@ -2427,7 +2427,7 @@
           <a:bodyPr/>
           <a:lstStyle/>
           <a:p>
-            <a:fld id="{E87975E6-7B08-42D4-BAFD-3EF7B2173AEA}" type="slidenum">
+            <a:fld id="{B4EB85D2-398B-492F-B5C2-82DF5BC94891}" type="slidenum">
               <a:rPr lang="zh-CN" altLang="en-US" smtClean="0"/>
               <a:t>‹#›</a:t>
             </a:fld>
@@ -2438,7 +2438,7 @@
     </p:spTree>
     <p:extLst>
       <p:ext uri="{BB962C8B-B14F-4D97-AF65-F5344CB8AC3E}">
-        <p14:creationId xmlns:p14="http://schemas.microsoft.com/office/powerpoint/2010/main" val="3708850870"/>
+        <p14:creationId xmlns:p14="http://schemas.microsoft.com/office/powerpoint/2010/main" val="1218937624"/>
       </p:ext>
     </p:extLst>
   </p:cSld>
@@ -2470,7 +2470,7 @@
           <p:cNvPr id="2" name="标题 1">
             <a:extLst>
               <a:ext uri="{FF2B5EF4-FFF2-40B4-BE49-F238E27FC236}">
-                <a16:creationId xmlns:a16="http://schemas.microsoft.com/office/drawing/2014/main" id="{306E7D80-32CF-78BD-309A-6415A0E6BE98}"/>
+                <a16:creationId xmlns:a16="http://schemas.microsoft.com/office/drawing/2014/main" id="{093E710D-1FB3-967B-8538-FC904FA72DE7}"/>
               </a:ext>
             </a:extLst>
           </p:cNvPr>
@@ -2507,7 +2507,7 @@
           <p:cNvPr id="3" name="图片占位符 2">
             <a:extLst>
               <a:ext uri="{FF2B5EF4-FFF2-40B4-BE49-F238E27FC236}">
-                <a16:creationId xmlns:a16="http://schemas.microsoft.com/office/drawing/2014/main" id="{B2B2E21D-5B7F-BF41-CE52-3D790F0DD98C}"/>
+                <a16:creationId xmlns:a16="http://schemas.microsoft.com/office/drawing/2014/main" id="{2DD44747-C971-3937-C0C4-AB1D71637FC1}"/>
               </a:ext>
             </a:extLst>
           </p:cNvPr>
@@ -2574,7 +2574,7 @@
           <p:cNvPr id="4" name="文本占位符 3">
             <a:extLst>
               <a:ext uri="{FF2B5EF4-FFF2-40B4-BE49-F238E27FC236}">
-                <a16:creationId xmlns:a16="http://schemas.microsoft.com/office/drawing/2014/main" id="{C84119BC-592E-E664-2B45-1B562567B684}"/>
+                <a16:creationId xmlns:a16="http://schemas.microsoft.com/office/drawing/2014/main" id="{1D541CF1-4D71-0D7D-8D01-7E2F70838606}"/>
               </a:ext>
             </a:extLst>
           </p:cNvPr>
@@ -2645,7 +2645,7 @@
           <p:cNvPr id="5" name="日期占位符 4">
             <a:extLst>
               <a:ext uri="{FF2B5EF4-FFF2-40B4-BE49-F238E27FC236}">
-                <a16:creationId xmlns:a16="http://schemas.microsoft.com/office/drawing/2014/main" id="{EEFFA2A9-D896-24AE-9E9A-444B4E6B0C4C}"/>
+                <a16:creationId xmlns:a16="http://schemas.microsoft.com/office/drawing/2014/main" id="{76BB6620-665E-DC67-A0DA-CC3863FA064F}"/>
               </a:ext>
             </a:extLst>
           </p:cNvPr>
@@ -2661,7 +2661,7 @@
           <a:bodyPr/>
           <a:lstStyle/>
           <a:p>
-            <a:fld id="{898910EA-5C49-4515-84F6-13B785860004}" type="datetimeFigureOut">
+            <a:fld id="{DE7FC016-381F-47C5-8A97-0F4C6EF67D9D}" type="datetimeFigureOut">
               <a:rPr lang="zh-CN" altLang="en-US" smtClean="0"/>
               <a:t>2024/3/10</a:t>
             </a:fld>
@@ -2674,7 +2674,7 @@
           <p:cNvPr id="6" name="页脚占位符 5">
             <a:extLst>
               <a:ext uri="{FF2B5EF4-FFF2-40B4-BE49-F238E27FC236}">
-                <a16:creationId xmlns:a16="http://schemas.microsoft.com/office/drawing/2014/main" id="{997A46DC-042C-7BE0-1B31-A31DA4ACC324}"/>
+                <a16:creationId xmlns:a16="http://schemas.microsoft.com/office/drawing/2014/main" id="{2DDB775D-F660-CEC7-773C-B22ED3B36F71}"/>
               </a:ext>
             </a:extLst>
           </p:cNvPr>
@@ -2699,7 +2699,7 @@
           <p:cNvPr id="7" name="灯片编号占位符 6">
             <a:extLst>
               <a:ext uri="{FF2B5EF4-FFF2-40B4-BE49-F238E27FC236}">
-                <a16:creationId xmlns:a16="http://schemas.microsoft.com/office/drawing/2014/main" id="{438FAF87-FE4E-7811-1307-47E7BDB0B504}"/>
+                <a16:creationId xmlns:a16="http://schemas.microsoft.com/office/drawing/2014/main" id="{159AC196-C042-2F18-5A7B-8568D7C2CC45}"/>
               </a:ext>
             </a:extLst>
           </p:cNvPr>
@@ -2715,7 +2715,7 @@
           <a:bodyPr/>
           <a:lstStyle/>
           <a:p>
-            <a:fld id="{E87975E6-7B08-42D4-BAFD-3EF7B2173AEA}" type="slidenum">
+            <a:fld id="{B4EB85D2-398B-492F-B5C2-82DF5BC94891}" type="slidenum">
               <a:rPr lang="zh-CN" altLang="en-US" smtClean="0"/>
               <a:t>‹#›</a:t>
             </a:fld>
@@ -2726,7 +2726,7 @@
     </p:spTree>
     <p:extLst>
       <p:ext uri="{BB962C8B-B14F-4D97-AF65-F5344CB8AC3E}">
-        <p14:creationId xmlns:p14="http://schemas.microsoft.com/office/powerpoint/2010/main" val="741655976"/>
+        <p14:creationId xmlns:p14="http://schemas.microsoft.com/office/powerpoint/2010/main" val="4217055402"/>
       </p:ext>
     </p:extLst>
   </p:cSld>
@@ -2763,7 +2763,7 @@
           <p:cNvPr id="2" name="标题占位符 1">
             <a:extLst>
               <a:ext uri="{FF2B5EF4-FFF2-40B4-BE49-F238E27FC236}">
-                <a16:creationId xmlns:a16="http://schemas.microsoft.com/office/drawing/2014/main" id="{03DDEB20-1A2B-6827-D1AC-9A60C7F6FCA7}"/>
+                <a16:creationId xmlns:a16="http://schemas.microsoft.com/office/drawing/2014/main" id="{B94E1A0D-652B-9584-7418-F94899F774B2}"/>
               </a:ext>
             </a:extLst>
           </p:cNvPr>
@@ -2801,7 +2801,7 @@
           <p:cNvPr id="3" name="文本占位符 2">
             <a:extLst>
               <a:ext uri="{FF2B5EF4-FFF2-40B4-BE49-F238E27FC236}">
-                <a16:creationId xmlns:a16="http://schemas.microsoft.com/office/drawing/2014/main" id="{CEA3B20C-8CBF-8E48-1D82-587B8E1EA821}"/>
+                <a16:creationId xmlns:a16="http://schemas.microsoft.com/office/drawing/2014/main" id="{F0E4378D-0DFC-A0E1-8B53-D32830A1CB4F}"/>
               </a:ext>
             </a:extLst>
           </p:cNvPr>
@@ -2868,7 +2868,7 @@
           <p:cNvPr id="4" name="日期占位符 3">
             <a:extLst>
               <a:ext uri="{FF2B5EF4-FFF2-40B4-BE49-F238E27FC236}">
-                <a16:creationId xmlns:a16="http://schemas.microsoft.com/office/drawing/2014/main" id="{5F5C1411-34D3-614F-2538-5CFCC86F8D96}"/>
+                <a16:creationId xmlns:a16="http://schemas.microsoft.com/office/drawing/2014/main" id="{1EF82F82-5895-9E8D-1572-3EDEA74B8543}"/>
               </a:ext>
             </a:extLst>
           </p:cNvPr>
@@ -2902,7 +2902,7 @@
             </a:lvl1pPr>
           </a:lstStyle>
           <a:p>
-            <a:fld id="{898910EA-5C49-4515-84F6-13B785860004}" type="datetimeFigureOut">
+            <a:fld id="{DE7FC016-381F-47C5-8A97-0F4C6EF67D9D}" type="datetimeFigureOut">
               <a:rPr lang="zh-CN" altLang="en-US" smtClean="0"/>
               <a:t>2024/3/10</a:t>
             </a:fld>
@@ -2915,7 +2915,7 @@
           <p:cNvPr id="5" name="页脚占位符 4">
             <a:extLst>
               <a:ext uri="{FF2B5EF4-FFF2-40B4-BE49-F238E27FC236}">
-                <a16:creationId xmlns:a16="http://schemas.microsoft.com/office/drawing/2014/main" id="{B4C7BFF7-6226-4F5C-A311-6A067BE0B7D5}"/>
+                <a16:creationId xmlns:a16="http://schemas.microsoft.com/office/drawing/2014/main" id="{AC0D335B-1838-4F33-9EC6-81E0169209B9}"/>
               </a:ext>
             </a:extLst>
           </p:cNvPr>
@@ -2958,7 +2958,7 @@
           <p:cNvPr id="6" name="灯片编号占位符 5">
             <a:extLst>
               <a:ext uri="{FF2B5EF4-FFF2-40B4-BE49-F238E27FC236}">
-                <a16:creationId xmlns:a16="http://schemas.microsoft.com/office/drawing/2014/main" id="{878472C5-74E8-4434-FE03-9922E00A8A0F}"/>
+                <a16:creationId xmlns:a16="http://schemas.microsoft.com/office/drawing/2014/main" id="{DBA67771-8F2B-08BF-879B-35C126C6DE8D}"/>
               </a:ext>
             </a:extLst>
           </p:cNvPr>
@@ -2992,7 +2992,7 @@
             </a:lvl1pPr>
           </a:lstStyle>
           <a:p>
-            <a:fld id="{E87975E6-7B08-42D4-BAFD-3EF7B2173AEA}" type="slidenum">
+            <a:fld id="{B4EB85D2-398B-492F-B5C2-82DF5BC94891}" type="slidenum">
               <a:rPr lang="zh-CN" altLang="en-US" smtClean="0"/>
               <a:t>‹#›</a:t>
             </a:fld>
@@ -3003,7 +3003,7 @@
     </p:spTree>
     <p:extLst>
       <p:ext uri="{BB962C8B-B14F-4D97-AF65-F5344CB8AC3E}">
-        <p14:creationId xmlns:p14="http://schemas.microsoft.com/office/powerpoint/2010/main" val="723028173"/>
+        <p14:creationId xmlns:p14="http://schemas.microsoft.com/office/powerpoint/2010/main" val="1177228596"/>
       </p:ext>
     </p:extLst>
   </p:cSld>
@@ -3323,7 +3323,7 @@
       </p:grpSpPr>
       <p:pic>
         <p:nvPicPr>
-          <p:cNvPr id="264194" name="Picture 2" descr="257"/>
+          <p:cNvPr id="265218" name="Picture 2" descr="258"/>
           <p:cNvPicPr>
             <a:picLocks noChangeAspect="1" noChangeArrowheads="1"/>
           </p:cNvPicPr>
